--- a/Báo cáo.pptx
+++ b/Báo cáo.pptx
@@ -5,13 +5,14 @@
     <p:sldMasterId id="2147483677" r:id="rId1"/>
   </p:sldMasterIdLst>
   <p:notesMasterIdLst>
-    <p:notesMasterId r:id="rId6"/>
+    <p:notesMasterId r:id="rId7"/>
   </p:notesMasterIdLst>
   <p:sldIdLst>
     <p:sldId id="256" r:id="rId2"/>
     <p:sldId id="257" r:id="rId3"/>
     <p:sldId id="258" r:id="rId4"/>
     <p:sldId id="259" r:id="rId5"/>
+    <p:sldId id="260" r:id="rId6"/>
   </p:sldIdLst>
   <p:sldSz cx="12192000" cy="6858000"/>
   <p:notesSz cx="6858000" cy="9144000"/>
@@ -6417,19 +6418,19 @@
         </p:nvSpPr>
         <p:spPr>
           <a:xfrm>
-            <a:off x="8120417" y="5060768"/>
-            <a:ext cx="2947917" cy="384688"/>
+            <a:off x="7956644" y="5060767"/>
+            <a:ext cx="3302759" cy="384688"/>
           </a:xfrm>
         </p:spPr>
         <p:txBody>
           <a:bodyPr>
-            <a:normAutofit/>
+            <a:noAutofit/>
           </a:bodyPr>
           <a:lstStyle/>
           <a:p>
             <a:pPr algn="l"/>
             <a:r>
-              <a:rPr lang="en-US" sz="1400" dirty="0" err="1" smtClean="0">
+              <a:rPr lang="en-US" sz="1600" dirty="0" err="1" smtClean="0">
                 <a:solidFill>
                   <a:schemeClr val="tx1">
                     <a:lumMod val="95000"/>
@@ -6440,7 +6441,7 @@
               <a:t>Trình</a:t>
             </a:r>
             <a:r>
-              <a:rPr lang="en-US" sz="1400" dirty="0" smtClean="0">
+              <a:rPr lang="en-US" sz="1600" dirty="0" smtClean="0">
                 <a:solidFill>
                   <a:schemeClr val="tx1">
                     <a:lumMod val="95000"/>
@@ -6451,7 +6452,7 @@
               <a:t> </a:t>
             </a:r>
             <a:r>
-              <a:rPr lang="en-US" sz="1400" dirty="0" err="1" smtClean="0">
+              <a:rPr lang="en-US" sz="1600" dirty="0" err="1" smtClean="0">
                 <a:solidFill>
                   <a:schemeClr val="tx1">
                     <a:lumMod val="95000"/>
@@ -6462,7 +6463,7 @@
               <a:t>bày</a:t>
             </a:r>
             <a:r>
-              <a:rPr lang="en-US" sz="1400" dirty="0" smtClean="0">
+              <a:rPr lang="en-US" sz="1600" dirty="0" smtClean="0">
                 <a:solidFill>
                   <a:schemeClr val="tx1">
                     <a:lumMod val="95000"/>
@@ -6473,7 +6474,7 @@
               <a:t>: </a:t>
             </a:r>
             <a:r>
-              <a:rPr lang="en-US" sz="1400" dirty="0" err="1" smtClean="0">
+              <a:rPr lang="en-US" sz="1600" dirty="0" err="1" smtClean="0">
                 <a:solidFill>
                   <a:schemeClr val="tx1">
                     <a:lumMod val="95000"/>
@@ -6484,7 +6485,7 @@
               <a:t>Lê</a:t>
             </a:r>
             <a:r>
-              <a:rPr lang="en-US" sz="1400" dirty="0" smtClean="0">
+              <a:rPr lang="en-US" sz="1600" dirty="0" smtClean="0">
                 <a:solidFill>
                   <a:schemeClr val="tx1">
                     <a:lumMod val="95000"/>
@@ -6492,31 +6493,9 @@
                   </a:schemeClr>
                 </a:solidFill>
               </a:rPr>
-              <a:t> Minh Thiện</a:t>
-            </a:r>
-            <a:r>
-              <a:rPr lang="en-US" dirty="0" smtClean="0">
-                <a:solidFill>
-                  <a:schemeClr val="tx1">
-                    <a:lumMod val="95000"/>
-                    <a:lumOff val="5000"/>
-                  </a:schemeClr>
-                </a:solidFill>
-              </a:rPr>
-              <a:t>-</a:t>
-            </a:r>
-            <a:r>
-              <a:rPr lang="en-US" sz="1400" dirty="0" smtClean="0">
-                <a:solidFill>
-                  <a:schemeClr val="tx1">
-                    <a:lumMod val="95000"/>
-                    <a:lumOff val="5000"/>
-                  </a:schemeClr>
-                </a:solidFill>
-              </a:rPr>
-              <a:t>1560542</a:t>
-            </a:r>
-            <a:endParaRPr lang="en-US" dirty="0">
+              <a:t> Minh Thiện-1560542</a:t>
+            </a:r>
+            <a:endParaRPr lang="en-US" sz="1600" dirty="0">
               <a:solidFill>
                 <a:schemeClr val="tx1">
                   <a:lumMod val="95000"/>
@@ -6535,8 +6514,8 @@
         </p:nvSpPr>
         <p:spPr>
           <a:xfrm>
-            <a:off x="8120417" y="5445455"/>
-            <a:ext cx="2743200" cy="738664"/>
+            <a:off x="7956644" y="5445455"/>
+            <a:ext cx="2743200" cy="584775"/>
           </a:xfrm>
           <a:prstGeom prst="rect">
             <a:avLst/>
@@ -6550,60 +6529,45 @@
           <a:lstStyle/>
           <a:p>
             <a:r>
-              <a:rPr lang="en-US" sz="1400" dirty="0" err="1" smtClean="0"/>
+              <a:rPr lang="en-US" sz="1600" dirty="0" err="1" smtClean="0"/>
               <a:t>Thực</a:t>
             </a:r>
             <a:r>
-              <a:rPr lang="en-US" sz="1400" dirty="0" smtClean="0"/>
-              <a:t> </a:t>
-            </a:r>
-            <a:r>
-              <a:rPr lang="en-US" sz="1400" dirty="0" err="1" smtClean="0"/>
+              <a:rPr lang="en-US" sz="1600" dirty="0" smtClean="0"/>
+              <a:t> </a:t>
+            </a:r>
+            <a:r>
+              <a:rPr lang="en-US" sz="1600" dirty="0" err="1" smtClean="0"/>
               <a:t>hiện</a:t>
             </a:r>
             <a:r>
-              <a:rPr lang="en-US" sz="1400" dirty="0" smtClean="0"/>
+              <a:rPr lang="en-US" sz="1600" dirty="0" smtClean="0"/>
               <a:t>:</a:t>
             </a:r>
           </a:p>
           <a:p>
             <a:pPr algn="ctr"/>
             <a:r>
-              <a:rPr lang="en-US" sz="1400" dirty="0" err="1" smtClean="0"/>
+              <a:rPr lang="en-US" sz="1600" dirty="0" err="1" smtClean="0"/>
               <a:t>Hồ</a:t>
             </a:r>
             <a:r>
-              <a:rPr lang="en-US" sz="1400" dirty="0" smtClean="0"/>
-              <a:t> </a:t>
-            </a:r>
-            <a:r>
-              <a:rPr lang="en-US" sz="1400" dirty="0" err="1" smtClean="0"/>
+              <a:rPr lang="en-US" sz="1600" dirty="0" smtClean="0"/>
+              <a:t> </a:t>
+            </a:r>
+            <a:r>
+              <a:rPr lang="en-US" sz="1600" dirty="0" err="1" smtClean="0"/>
               <a:t>Huy</a:t>
             </a:r>
             <a:r>
-              <a:rPr lang="en-US" sz="1400" dirty="0" smtClean="0"/>
-              <a:t> Hoàng-1560190</a:t>
-            </a:r>
-          </a:p>
-          <a:p>
-            <a:pPr algn="ctr"/>
-            <a:r>
-              <a:rPr lang="en-US" sz="1400" dirty="0" err="1" smtClean="0"/>
-              <a:t>Trang</a:t>
-            </a:r>
-            <a:r>
-              <a:rPr lang="en-US" sz="1400" dirty="0" smtClean="0"/>
-              <a:t> </a:t>
-            </a:r>
-            <a:r>
-              <a:rPr lang="en-US" sz="1400" dirty="0" err="1" smtClean="0"/>
-              <a:t>Văn</a:t>
-            </a:r>
-            <a:r>
-              <a:rPr lang="en-US" sz="1400" dirty="0" smtClean="0"/>
-              <a:t> Trong-1760217</a:t>
-            </a:r>
-            <a:endParaRPr lang="en-US" sz="1400" dirty="0"/>
+              <a:rPr lang="en-US" sz="1600" dirty="0" smtClean="0"/>
+              <a:t> </a:t>
+            </a:r>
+            <a:r>
+              <a:rPr lang="en-US" sz="1600" dirty="0" smtClean="0"/>
+              <a:t>Hoàng-1560190</a:t>
+            </a:r>
+            <a:endParaRPr lang="en-US" sz="1600" dirty="0" smtClean="0"/>
           </a:p>
         </p:txBody>
       </p:sp>
@@ -6643,6 +6607,68 @@
           </a:effectLst>
         </p:spPr>
       </p:pic>
+      <p:sp>
+        <p:nvSpPr>
+          <p:cNvPr id="5" name="TextBox 4"/>
+          <p:cNvSpPr txBox="1"/>
+          <p:nvPr/>
+        </p:nvSpPr>
+        <p:spPr>
+          <a:xfrm>
+            <a:off x="354842" y="5373403"/>
+            <a:ext cx="3193576" cy="338554"/>
+          </a:xfrm>
+          <a:prstGeom prst="rect">
+            <a:avLst/>
+          </a:prstGeom>
+          <a:noFill/>
+        </p:spPr>
+        <p:txBody>
+          <a:bodyPr wrap="square" rtlCol="0">
+            <a:spAutoFit/>
+          </a:bodyPr>
+          <a:lstStyle/>
+          <a:p>
+            <a:r>
+              <a:rPr lang="en-US" sz="1600" dirty="0" err="1" smtClean="0"/>
+              <a:t>Giảng</a:t>
+            </a:r>
+            <a:r>
+              <a:rPr lang="en-US" sz="1600" dirty="0" smtClean="0"/>
+              <a:t> </a:t>
+            </a:r>
+            <a:r>
+              <a:rPr lang="en-US" sz="1600" dirty="0" err="1" smtClean="0"/>
+              <a:t>viên</a:t>
+            </a:r>
+            <a:r>
+              <a:rPr lang="en-US" sz="1600" dirty="0" smtClean="0"/>
+              <a:t>: </a:t>
+            </a:r>
+            <a:r>
+              <a:rPr lang="en-US" sz="1600" dirty="0" err="1" smtClean="0"/>
+              <a:t>Nguyễn</a:t>
+            </a:r>
+            <a:r>
+              <a:rPr lang="en-US" sz="1600" dirty="0" smtClean="0"/>
+              <a:t> </a:t>
+            </a:r>
+            <a:r>
+              <a:rPr lang="en-US" sz="1600" dirty="0" err="1" smtClean="0"/>
+              <a:t>Đức</a:t>
+            </a:r>
+            <a:r>
+              <a:rPr lang="en-US" sz="1600" dirty="0" smtClean="0"/>
+              <a:t> </a:t>
+            </a:r>
+            <a:r>
+              <a:rPr lang="en-US" sz="1600" dirty="0" err="1" smtClean="0"/>
+              <a:t>Huy</a:t>
+            </a:r>
+            <a:endParaRPr lang="en-US" sz="1600" dirty="0"/>
+          </a:p>
+        </p:txBody>
+      </p:sp>
     </p:spTree>
     <p:extLst>
       <p:ext uri="{BB962C8B-B14F-4D97-AF65-F5344CB8AC3E}">
@@ -7638,12 +7664,10 @@
                 <a:latin typeface="Arial" panose="020B0604020202020204" pitchFamily="34" charset="0"/>
                 <a:cs typeface="Arial" panose="020B0604020202020204" pitchFamily="34" charset="0"/>
               </a:rPr>
-              <a:t> 4.0</a:t>
-            </a:r>
-          </a:p>
-          <a:p>
-            <a:r>
-              <a:rPr lang="en-US" sz="2400" dirty="0" err="1">
+              <a:t> </a:t>
+            </a:r>
+            <a:r>
+              <a:rPr lang="en-US" sz="2400" dirty="0" smtClean="0">
                 <a:solidFill>
                   <a:schemeClr val="tx1">
                     <a:lumMod val="95000"/>
@@ -7653,203 +7677,18 @@
                 <a:latin typeface="Arial" panose="020B0604020202020204" pitchFamily="34" charset="0"/>
                 <a:cs typeface="Arial" panose="020B0604020202020204" pitchFamily="34" charset="0"/>
               </a:rPr>
-              <a:t>Thách</a:t>
-            </a:r>
-            <a:r>
-              <a:rPr lang="en-US" sz="2400" dirty="0">
-                <a:solidFill>
-                  <a:schemeClr val="tx1">
-                    <a:lumMod val="95000"/>
-                    <a:lumOff val="5000"/>
-                  </a:schemeClr>
-                </a:solidFill>
-                <a:latin typeface="Arial" panose="020B0604020202020204" pitchFamily="34" charset="0"/>
-                <a:cs typeface="Arial" panose="020B0604020202020204" pitchFamily="34" charset="0"/>
-              </a:rPr>
-              <a:t> </a:t>
-            </a:r>
-            <a:r>
-              <a:rPr lang="en-US" sz="2400" dirty="0" err="1">
-                <a:solidFill>
-                  <a:schemeClr val="tx1">
-                    <a:lumMod val="95000"/>
-                    <a:lumOff val="5000"/>
-                  </a:schemeClr>
-                </a:solidFill>
-                <a:latin typeface="Arial" panose="020B0604020202020204" pitchFamily="34" charset="0"/>
-                <a:cs typeface="Arial" panose="020B0604020202020204" pitchFamily="34" charset="0"/>
-              </a:rPr>
-              <a:t>thức</a:t>
-            </a:r>
-            <a:r>
-              <a:rPr lang="en-US" sz="2400" dirty="0">
-                <a:solidFill>
-                  <a:schemeClr val="tx1">
-                    <a:lumMod val="95000"/>
-                    <a:lumOff val="5000"/>
-                  </a:schemeClr>
-                </a:solidFill>
-                <a:latin typeface="Arial" panose="020B0604020202020204" pitchFamily="34" charset="0"/>
-                <a:cs typeface="Arial" panose="020B0604020202020204" pitchFamily="34" charset="0"/>
-              </a:rPr>
-              <a:t> </a:t>
-            </a:r>
-            <a:r>
-              <a:rPr lang="en-US" sz="2400" dirty="0" err="1">
-                <a:solidFill>
-                  <a:schemeClr val="tx1">
-                    <a:lumMod val="95000"/>
-                    <a:lumOff val="5000"/>
-                  </a:schemeClr>
-                </a:solidFill>
-                <a:latin typeface="Arial" panose="020B0604020202020204" pitchFamily="34" charset="0"/>
-                <a:cs typeface="Arial" panose="020B0604020202020204" pitchFamily="34" charset="0"/>
-              </a:rPr>
-              <a:t>của</a:t>
-            </a:r>
-            <a:r>
-              <a:rPr lang="en-US" sz="2400" dirty="0">
-                <a:solidFill>
-                  <a:schemeClr val="tx1">
-                    <a:lumMod val="95000"/>
-                    <a:lumOff val="5000"/>
-                  </a:schemeClr>
-                </a:solidFill>
-                <a:latin typeface="Arial" panose="020B0604020202020204" pitchFamily="34" charset="0"/>
-                <a:cs typeface="Arial" panose="020B0604020202020204" pitchFamily="34" charset="0"/>
-              </a:rPr>
-              <a:t> </a:t>
-            </a:r>
-            <a:r>
-              <a:rPr lang="en-US" sz="2400" dirty="0" err="1">
-                <a:solidFill>
-                  <a:schemeClr val="tx1">
-                    <a:lumMod val="95000"/>
-                    <a:lumOff val="5000"/>
-                  </a:schemeClr>
-                </a:solidFill>
-                <a:latin typeface="Arial" panose="020B0604020202020204" pitchFamily="34" charset="0"/>
-                <a:cs typeface="Arial" panose="020B0604020202020204" pitchFamily="34" charset="0"/>
-              </a:rPr>
-              <a:t>Việt</a:t>
-            </a:r>
-            <a:r>
-              <a:rPr lang="en-US" sz="2400" dirty="0">
-                <a:solidFill>
-                  <a:schemeClr val="tx1">
-                    <a:lumMod val="95000"/>
-                    <a:lumOff val="5000"/>
-                  </a:schemeClr>
-                </a:solidFill>
-                <a:latin typeface="Arial" panose="020B0604020202020204" pitchFamily="34" charset="0"/>
-                <a:cs typeface="Arial" panose="020B0604020202020204" pitchFamily="34" charset="0"/>
-              </a:rPr>
-              <a:t> Nam </a:t>
-            </a:r>
-            <a:r>
-              <a:rPr lang="en-US" sz="2400" dirty="0" err="1">
-                <a:solidFill>
-                  <a:schemeClr val="tx1">
-                    <a:lumMod val="95000"/>
-                    <a:lumOff val="5000"/>
-                  </a:schemeClr>
-                </a:solidFill>
-                <a:latin typeface="Arial" panose="020B0604020202020204" pitchFamily="34" charset="0"/>
-                <a:cs typeface="Arial" panose="020B0604020202020204" pitchFamily="34" charset="0"/>
-              </a:rPr>
-              <a:t>trong</a:t>
-            </a:r>
-            <a:r>
-              <a:rPr lang="en-US" sz="2400" dirty="0">
-                <a:solidFill>
-                  <a:schemeClr val="tx1">
-                    <a:lumMod val="95000"/>
-                    <a:lumOff val="5000"/>
-                  </a:schemeClr>
-                </a:solidFill>
-                <a:latin typeface="Arial" panose="020B0604020202020204" pitchFamily="34" charset="0"/>
-                <a:cs typeface="Arial" panose="020B0604020202020204" pitchFamily="34" charset="0"/>
-              </a:rPr>
-              <a:t> </a:t>
-            </a:r>
-            <a:r>
-              <a:rPr lang="en-US" sz="2400" dirty="0" err="1">
-                <a:solidFill>
-                  <a:schemeClr val="tx1">
-                    <a:lumMod val="95000"/>
-                    <a:lumOff val="5000"/>
-                  </a:schemeClr>
-                </a:solidFill>
-                <a:latin typeface="Arial" panose="020B0604020202020204" pitchFamily="34" charset="0"/>
-                <a:cs typeface="Arial" panose="020B0604020202020204" pitchFamily="34" charset="0"/>
-              </a:rPr>
-              <a:t>nền</a:t>
-            </a:r>
-            <a:r>
-              <a:rPr lang="en-US" sz="2400" dirty="0">
-                <a:solidFill>
-                  <a:schemeClr val="tx1">
-                    <a:lumMod val="95000"/>
-                    <a:lumOff val="5000"/>
-                  </a:schemeClr>
-                </a:solidFill>
-                <a:latin typeface="Arial" panose="020B0604020202020204" pitchFamily="34" charset="0"/>
-                <a:cs typeface="Arial" panose="020B0604020202020204" pitchFamily="34" charset="0"/>
-              </a:rPr>
-              <a:t> </a:t>
-            </a:r>
-            <a:r>
-              <a:rPr lang="en-US" sz="2400" dirty="0" err="1">
-                <a:solidFill>
-                  <a:schemeClr val="tx1">
-                    <a:lumMod val="95000"/>
-                    <a:lumOff val="5000"/>
-                  </a:schemeClr>
-                </a:solidFill>
-                <a:latin typeface="Arial" panose="020B0604020202020204" pitchFamily="34" charset="0"/>
-                <a:cs typeface="Arial" panose="020B0604020202020204" pitchFamily="34" charset="0"/>
-              </a:rPr>
-              <a:t>công</a:t>
-            </a:r>
-            <a:r>
-              <a:rPr lang="en-US" sz="2400" dirty="0">
-                <a:solidFill>
-                  <a:schemeClr val="tx1">
-                    <a:lumMod val="95000"/>
-                    <a:lumOff val="5000"/>
-                  </a:schemeClr>
-                </a:solidFill>
-                <a:latin typeface="Arial" panose="020B0604020202020204" pitchFamily="34" charset="0"/>
-                <a:cs typeface="Arial" panose="020B0604020202020204" pitchFamily="34" charset="0"/>
-              </a:rPr>
-              <a:t> </a:t>
-            </a:r>
-            <a:r>
-              <a:rPr lang="en-US" sz="2400" dirty="0" err="1">
-                <a:solidFill>
-                  <a:schemeClr val="tx1">
-                    <a:lumMod val="95000"/>
-                    <a:lumOff val="5000"/>
-                  </a:schemeClr>
-                </a:solidFill>
-                <a:latin typeface="Arial" panose="020B0604020202020204" pitchFamily="34" charset="0"/>
-                <a:cs typeface="Arial" panose="020B0604020202020204" pitchFamily="34" charset="0"/>
-              </a:rPr>
-              <a:t>nghiệp</a:t>
-            </a:r>
-            <a:r>
-              <a:rPr lang="en-US" sz="2400" dirty="0">
-                <a:solidFill>
-                  <a:schemeClr val="tx1">
-                    <a:lumMod val="95000"/>
-                    <a:lumOff val="5000"/>
-                  </a:schemeClr>
-                </a:solidFill>
-                <a:latin typeface="Arial" panose="020B0604020202020204" pitchFamily="34" charset="0"/>
-                <a:cs typeface="Arial" panose="020B0604020202020204" pitchFamily="34" charset="0"/>
-              </a:rPr>
-              <a:t> 4.0</a:t>
-            </a:r>
+              <a:t>4.0</a:t>
+            </a:r>
+            <a:endParaRPr lang="en-US" sz="2400" dirty="0">
+              <a:solidFill>
+                <a:schemeClr val="tx1">
+                  <a:lumMod val="95000"/>
+                  <a:lumOff val="5000"/>
+                </a:schemeClr>
+              </a:solidFill>
+              <a:latin typeface="Arial" panose="020B0604020202020204" pitchFamily="34" charset="0"/>
+              <a:cs typeface="Arial" panose="020B0604020202020204" pitchFamily="34" charset="0"/>
+            </a:endParaRPr>
           </a:p>
           <a:p>
             <a:r>
@@ -8539,6 +8378,244 @@
     <p:extLst>
       <p:ext uri="{BB962C8B-B14F-4D97-AF65-F5344CB8AC3E}">
         <p14:creationId xmlns:p14="http://schemas.microsoft.com/office/powerpoint/2010/main" val="2845742617"/>
+      </p:ext>
+    </p:extLst>
+  </p:cSld>
+  <p:clrMapOvr>
+    <a:masterClrMapping/>
+  </p:clrMapOvr>
+</p:sld>
+</file>
+
+<file path=ppt/slides/slide5.xml><?xml version="1.0" encoding="utf-8"?>
+<p:sld xmlns:a="http://schemas.openxmlformats.org/drawingml/2006/main" xmlns:r="http://schemas.openxmlformats.org/officeDocument/2006/relationships" xmlns:p="http://schemas.openxmlformats.org/presentationml/2006/main">
+  <p:cSld>
+    <p:spTree>
+      <p:nvGrpSpPr>
+        <p:cNvPr id="1" name=""/>
+        <p:cNvGrpSpPr/>
+        <p:nvPr/>
+      </p:nvGrpSpPr>
+      <p:grpSpPr>
+        <a:xfrm>
+          <a:off x="0" y="0"/>
+          <a:ext cx="0" cy="0"/>
+          <a:chOff x="0" y="0"/>
+          <a:chExt cx="0" cy="0"/>
+        </a:xfrm>
+      </p:grpSpPr>
+      <p:sp>
+        <p:nvSpPr>
+          <p:cNvPr id="2" name="Content Placeholder 1"/>
+          <p:cNvSpPr>
+            <a:spLocks noGrp="1"/>
+          </p:cNvSpPr>
+          <p:nvPr>
+            <p:ph idx="1"/>
+          </p:nvPr>
+        </p:nvSpPr>
+        <p:spPr/>
+        <p:txBody>
+          <a:bodyPr>
+            <a:normAutofit/>
+          </a:bodyPr>
+          <a:lstStyle/>
+          <a:p>
+            <a:pPr>
+              <a:buSzPct val="90000"/>
+              <a:buFont typeface="+mj-lt"/>
+              <a:buAutoNum type="arabicPeriod"/>
+            </a:pPr>
+            <a:r>
+              <a:rPr lang="en-US" sz="2000" dirty="0" err="1" smtClean="0"/>
+              <a:t>Cách</a:t>
+            </a:r>
+            <a:r>
+              <a:rPr lang="en-US" sz="2000" dirty="0" smtClean="0"/>
+              <a:t> </a:t>
+            </a:r>
+            <a:r>
+              <a:rPr lang="en-US" sz="2000" dirty="0" err="1" smtClean="0"/>
+              <a:t>mạng</a:t>
+            </a:r>
+            <a:r>
+              <a:rPr lang="en-US" sz="2000" dirty="0" smtClean="0"/>
+              <a:t> </a:t>
+            </a:r>
+            <a:r>
+              <a:rPr lang="en-US" sz="2000" dirty="0" err="1" smtClean="0"/>
+              <a:t>công</a:t>
+            </a:r>
+            <a:r>
+              <a:rPr lang="en-US" sz="2000" dirty="0" smtClean="0"/>
+              <a:t> </a:t>
+            </a:r>
+            <a:r>
+              <a:rPr lang="en-US" sz="2000" dirty="0" err="1" smtClean="0"/>
+              <a:t>nghiệp</a:t>
+            </a:r>
+            <a:r>
+              <a:rPr lang="en-US" sz="2000" dirty="0" smtClean="0"/>
+              <a:t> 2.0</a:t>
+            </a:r>
+          </a:p>
+          <a:p>
+            <a:pPr>
+              <a:buSzPct val="90000"/>
+            </a:pPr>
+            <a:r>
+              <a:rPr lang="en-US" sz="2000" dirty="0" err="1" smtClean="0"/>
+              <a:t>Cuộc</a:t>
+            </a:r>
+            <a:r>
+              <a:rPr lang="en-US" sz="2000" dirty="0" smtClean="0"/>
+              <a:t> </a:t>
+            </a:r>
+            <a:r>
+              <a:rPr lang="en-US" sz="2000" dirty="0" err="1" smtClean="0"/>
+              <a:t>cách</a:t>
+            </a:r>
+            <a:r>
+              <a:rPr lang="en-US" sz="2000" dirty="0" smtClean="0"/>
+              <a:t> </a:t>
+            </a:r>
+            <a:r>
+              <a:rPr lang="en-US" sz="2000" dirty="0" err="1" smtClean="0"/>
+              <a:t>mạng</a:t>
+            </a:r>
+            <a:r>
+              <a:rPr lang="en-US" sz="2000" dirty="0" smtClean="0"/>
+              <a:t> </a:t>
+            </a:r>
+            <a:r>
+              <a:rPr lang="en-US" sz="2000" dirty="0" err="1" smtClean="0"/>
+              <a:t>công</a:t>
+            </a:r>
+            <a:r>
+              <a:rPr lang="en-US" sz="2000" dirty="0" smtClean="0"/>
+              <a:t> </a:t>
+            </a:r>
+            <a:r>
+              <a:rPr lang="en-US" sz="2000" dirty="0" err="1" smtClean="0"/>
+              <a:t>nghiệp</a:t>
+            </a:r>
+            <a:r>
+              <a:rPr lang="en-US" sz="2000" dirty="0" smtClean="0"/>
+              <a:t> 2.0 </a:t>
+            </a:r>
+            <a:endParaRPr lang="en-US" sz="2000" dirty="0"/>
+          </a:p>
+        </p:txBody>
+      </p:sp>
+      <p:sp>
+        <p:nvSpPr>
+          <p:cNvPr id="3" name="Slide Number Placeholder 2"/>
+          <p:cNvSpPr>
+            <a:spLocks noGrp="1"/>
+          </p:cNvSpPr>
+          <p:nvPr>
+            <p:ph type="sldNum" sz="quarter" idx="12"/>
+          </p:nvPr>
+        </p:nvSpPr>
+        <p:spPr/>
+        <p:txBody>
+          <a:bodyPr/>
+          <a:lstStyle/>
+          <a:p>
+            <a:fld id="{FF3FB215-F31D-4572-B976-82201FC7BDB7}" type="slidenum">
+              <a:rPr lang="en-US" smtClean="0"/>
+              <a:t>5</a:t>
+            </a:fld>
+            <a:endParaRPr lang="en-US"/>
+          </a:p>
+        </p:txBody>
+      </p:sp>
+      <p:sp>
+        <p:nvSpPr>
+          <p:cNvPr id="4" name="Title 3"/>
+          <p:cNvSpPr>
+            <a:spLocks noGrp="1"/>
+          </p:cNvSpPr>
+          <p:nvPr>
+            <p:ph type="title"/>
+          </p:nvPr>
+        </p:nvSpPr>
+        <p:spPr/>
+        <p:txBody>
+          <a:bodyPr/>
+          <a:lstStyle/>
+          <a:p>
+            <a:r>
+              <a:rPr lang="en-US" dirty="0" err="1"/>
+              <a:t>Các</a:t>
+            </a:r>
+            <a:r>
+              <a:rPr lang="en-US" dirty="0"/>
+              <a:t> </a:t>
+            </a:r>
+            <a:r>
+              <a:rPr lang="en-US" dirty="0" err="1"/>
+              <a:t>cuộc</a:t>
+            </a:r>
+            <a:r>
+              <a:rPr lang="en-US" dirty="0"/>
+              <a:t> </a:t>
+            </a:r>
+            <a:r>
+              <a:rPr lang="en-US" dirty="0" err="1"/>
+              <a:t>cách</a:t>
+            </a:r>
+            <a:r>
+              <a:rPr lang="en-US" dirty="0"/>
+              <a:t> </a:t>
+            </a:r>
+            <a:r>
+              <a:rPr lang="en-US" dirty="0" err="1"/>
+              <a:t>mạng</a:t>
+            </a:r>
+            <a:r>
+              <a:rPr lang="en-US" dirty="0"/>
+              <a:t> </a:t>
+            </a:r>
+            <a:r>
+              <a:rPr lang="en-US" dirty="0" err="1"/>
+              <a:t>công</a:t>
+            </a:r>
+            <a:r>
+              <a:rPr lang="en-US" dirty="0"/>
+              <a:t> </a:t>
+            </a:r>
+            <a:r>
+              <a:rPr lang="en-US" dirty="0" err="1"/>
+              <a:t>nghiệp</a:t>
+            </a:r>
+            <a:r>
+              <a:rPr lang="en-US" dirty="0"/>
+              <a:t> </a:t>
+            </a:r>
+            <a:r>
+              <a:rPr lang="en-US" dirty="0" err="1"/>
+              <a:t>đã</a:t>
+            </a:r>
+            <a:r>
+              <a:rPr lang="en-US" dirty="0"/>
+              <a:t> </a:t>
+            </a:r>
+            <a:r>
+              <a:rPr lang="en-US" dirty="0" err="1"/>
+              <a:t>trải</a:t>
+            </a:r>
+            <a:r>
+              <a:rPr lang="en-US" dirty="0"/>
+              <a:t> qua</a:t>
+            </a:r>
+          </a:p>
+        </p:txBody>
+      </p:sp>
+    </p:spTree>
+    <p:extLst>
+      <p:ext uri="{BB962C8B-B14F-4D97-AF65-F5344CB8AC3E}">
+        <p14:creationId xmlns:p14="http://schemas.microsoft.com/office/powerpoint/2010/main" val="357528223"/>
       </p:ext>
     </p:extLst>
   </p:cSld>

--- a/Báo cáo.pptx
+++ b/Báo cáo.pptx
@@ -201,7 +201,7 @@
           <a:p>
             <a:fld id="{218DBCD0-D8C3-4785-8237-4849DECFE4B8}" type="datetimeFigureOut">
               <a:rPr lang="en-US" smtClean="0"/>
-              <a:t>28/05/2019</a:t>
+              <a:t>29/05/2019</a:t>
             </a:fld>
             <a:endParaRPr lang="en-US"/>
           </a:p>
@@ -1382,7 +1382,7 @@
           <a:p>
             <a:fld id="{D8E365C9-C117-4A89-8139-3E9BAE97F9C7}" type="datetime1">
               <a:rPr lang="en-US" smtClean="0"/>
-              <a:t>28/05/2019</a:t>
+              <a:t>29/05/2019</a:t>
             </a:fld>
             <a:endParaRPr lang="en-US"/>
           </a:p>
@@ -1633,7 +1633,7 @@
           <a:p>
             <a:fld id="{06E63436-3D27-4FD5-B27A-99661473411A}" type="datetime1">
               <a:rPr lang="en-US" smtClean="0"/>
-              <a:t>28/05/2019</a:t>
+              <a:t>29/05/2019</a:t>
             </a:fld>
             <a:endParaRPr lang="en-US"/>
           </a:p>
@@ -1947,7 +1947,7 @@
           <a:p>
             <a:fld id="{C9F2127B-E560-42A0-A9B6-3D9A892BDFDB}" type="datetime1">
               <a:rPr lang="en-US" smtClean="0"/>
-              <a:t>28/05/2019</a:t>
+              <a:t>29/05/2019</a:t>
             </a:fld>
             <a:endParaRPr lang="en-US"/>
           </a:p>
@@ -2280,7 +2280,7 @@
           <a:p>
             <a:fld id="{A52FF32E-1765-4B1D-9F11-0F304F53A3CE}" type="datetime1">
               <a:rPr lang="en-US" smtClean="0"/>
-              <a:t>28/05/2019</a:t>
+              <a:t>29/05/2019</a:t>
             </a:fld>
             <a:endParaRPr lang="en-US"/>
           </a:p>
@@ -2594,7 +2594,7 @@
           <a:p>
             <a:fld id="{C82E723D-F609-4730-83BB-A6CB555E7AD0}" type="datetime1">
               <a:rPr lang="en-US" smtClean="0"/>
-              <a:t>28/05/2019</a:t>
+              <a:t>29/05/2019</a:t>
             </a:fld>
             <a:endParaRPr lang="en-US"/>
           </a:p>
@@ -2987,7 +2987,7 @@
           <a:p>
             <a:fld id="{9A9A6624-2145-497A-A689-D7C511226125}" type="datetime1">
               <a:rPr lang="en-US" smtClean="0"/>
-              <a:t>28/05/2019</a:t>
+              <a:t>29/05/2019</a:t>
             </a:fld>
             <a:endParaRPr lang="en-US"/>
           </a:p>
@@ -3157,7 +3157,7 @@
           <a:p>
             <a:fld id="{9B09538E-5CB1-4240-9037-F9CC835A133B}" type="datetime1">
               <a:rPr lang="en-US" smtClean="0"/>
-              <a:t>28/05/2019</a:t>
+              <a:t>29/05/2019</a:t>
             </a:fld>
             <a:endParaRPr lang="en-US"/>
           </a:p>
@@ -3337,7 +3337,7 @@
           <a:p>
             <a:fld id="{2DD83711-2384-408D-BE6D-3E0F8EAC73F0}" type="datetime1">
               <a:rPr lang="en-US" smtClean="0"/>
-              <a:t>28/05/2019</a:t>
+              <a:t>29/05/2019</a:t>
             </a:fld>
             <a:endParaRPr lang="en-US"/>
           </a:p>
@@ -3484,7 +3484,7 @@
           <a:p>
             <a:fld id="{7A8DC0F4-205A-40EC-B0BA-E654FB8C28AA}" type="datetime1">
               <a:rPr lang="en-US" smtClean="0"/>
-              <a:t>28/05/2019</a:t>
+              <a:t>29/05/2019</a:t>
             </a:fld>
             <a:endParaRPr lang="en-US"/>
           </a:p>
@@ -3754,7 +3754,7 @@
           <a:p>
             <a:fld id="{7F3E11E8-C44C-4A07-A57A-6E49B7614DFA}" type="datetime1">
               <a:rPr lang="en-US" smtClean="0"/>
-              <a:t>28/05/2019</a:t>
+              <a:t>29/05/2019</a:t>
             </a:fld>
             <a:endParaRPr lang="en-US"/>
           </a:p>
@@ -3986,7 +3986,7 @@
           <a:p>
             <a:fld id="{FBCFA9E3-EA42-4391-B08D-6B36F132361D}" type="datetime1">
               <a:rPr lang="en-US" smtClean="0"/>
-              <a:t>28/05/2019</a:t>
+              <a:t>29/05/2019</a:t>
             </a:fld>
             <a:endParaRPr lang="en-US"/>
           </a:p>
@@ -4360,7 +4360,7 @@
           <a:p>
             <a:fld id="{AEB3DAED-309B-4E09-9053-40E3E96EBBE7}" type="datetime1">
               <a:rPr lang="en-US" smtClean="0"/>
-              <a:t>28/05/2019</a:t>
+              <a:t>29/05/2019</a:t>
             </a:fld>
             <a:endParaRPr lang="en-US"/>
           </a:p>
@@ -4483,7 +4483,7 @@
           <a:p>
             <a:fld id="{77F8E5C6-B058-4F06-B0CE-767B6F57A51B}" type="datetime1">
               <a:rPr lang="en-US" smtClean="0"/>
-              <a:t>28/05/2019</a:t>
+              <a:t>29/05/2019</a:t>
             </a:fld>
             <a:endParaRPr lang="en-US"/>
           </a:p>
@@ -4578,7 +4578,7 @@
           <a:p>
             <a:fld id="{71B23382-A40E-4E3B-9368-7CA294EB5667}" type="datetime1">
               <a:rPr lang="en-US" smtClean="0"/>
-              <a:t>28/05/2019</a:t>
+              <a:t>29/05/2019</a:t>
             </a:fld>
             <a:endParaRPr lang="en-US"/>
           </a:p>
@@ -4833,7 +4833,7 @@
           <a:p>
             <a:fld id="{B3B313CF-91ED-487F-ABF3-CCFEB678A5FB}" type="datetime1">
               <a:rPr lang="en-US" smtClean="0"/>
-              <a:t>28/05/2019</a:t>
+              <a:t>29/05/2019</a:t>
             </a:fld>
             <a:endParaRPr lang="en-US"/>
           </a:p>
@@ -5138,7 +5138,7 @@
           <a:p>
             <a:fld id="{BB94132F-EFF5-46E7-9B6F-04335A4E6A14}" type="datetime1">
               <a:rPr lang="en-US" smtClean="0"/>
-              <a:t>28/05/2019</a:t>
+              <a:t>29/05/2019</a:t>
             </a:fld>
             <a:endParaRPr lang="en-US"/>
           </a:p>
@@ -5840,7 +5840,7 @@
           <a:p>
             <a:fld id="{68E7B35F-B7EA-4E61-B5FA-63DA0CE6104D}" type="datetime1">
               <a:rPr lang="en-US" smtClean="0"/>
-              <a:t>28/05/2019</a:t>
+              <a:t>29/05/2019</a:t>
             </a:fld>
             <a:endParaRPr lang="en-US"/>
           </a:p>
@@ -6561,13 +6561,8 @@
             </a:r>
             <a:r>
               <a:rPr lang="en-US" sz="1600" dirty="0" smtClean="0"/>
-              <a:t> </a:t>
-            </a:r>
-            <a:r>
-              <a:rPr lang="en-US" sz="1600" dirty="0" smtClean="0"/>
-              <a:t>Hoàng-1560190</a:t>
-            </a:r>
-            <a:endParaRPr lang="en-US" sz="1600" dirty="0" smtClean="0"/>
+              <a:t> Hoàng-1560190</a:t>
+            </a:r>
           </a:p>
         </p:txBody>
       </p:sp>
@@ -8455,53 +8450,38 @@
               <a:t>nghiệp</a:t>
             </a:r>
             <a:r>
+              <a:rPr lang="en-US" sz="2000" dirty="0"/>
+              <a:t> </a:t>
+            </a:r>
+            <a:r>
+              <a:rPr lang="en-US" sz="2000" dirty="0" err="1" smtClean="0"/>
+              <a:t>lần</a:t>
+            </a:r>
+            <a:r>
               <a:rPr lang="en-US" sz="2000" dirty="0" smtClean="0"/>
-              <a:t> 2.0</a:t>
-            </a:r>
+              <a:t> </a:t>
+            </a:r>
+            <a:r>
+              <a:rPr lang="en-US" sz="2000" dirty="0" err="1" smtClean="0"/>
+              <a:t>thứ</a:t>
+            </a:r>
+            <a:r>
+              <a:rPr lang="en-US" sz="2000" dirty="0" smtClean="0"/>
+              <a:t> 2</a:t>
+            </a:r>
+            <a:endParaRPr lang="en-US" sz="2000" dirty="0" smtClean="0"/>
           </a:p>
           <a:p>
             <a:pPr>
               <a:buSzPct val="90000"/>
             </a:pPr>
             <a:r>
-              <a:rPr lang="en-US" sz="2000" dirty="0" err="1" smtClean="0"/>
-              <a:t>Cuộc</a:t>
-            </a:r>
-            <a:r>
-              <a:rPr lang="en-US" sz="2000" dirty="0" smtClean="0"/>
-              <a:t> </a:t>
-            </a:r>
-            <a:r>
-              <a:rPr lang="en-US" sz="2000" dirty="0" err="1" smtClean="0"/>
-              <a:t>cách</a:t>
-            </a:r>
-            <a:r>
-              <a:rPr lang="en-US" sz="2000" dirty="0" smtClean="0"/>
-              <a:t> </a:t>
-            </a:r>
-            <a:r>
-              <a:rPr lang="en-US" sz="2000" dirty="0" err="1" smtClean="0"/>
-              <a:t>mạng</a:t>
-            </a:r>
-            <a:r>
-              <a:rPr lang="en-US" sz="2000" dirty="0" smtClean="0"/>
-              <a:t> </a:t>
-            </a:r>
-            <a:r>
-              <a:rPr lang="en-US" sz="2000" dirty="0" err="1" smtClean="0"/>
-              <a:t>công</a:t>
-            </a:r>
-            <a:r>
-              <a:rPr lang="en-US" sz="2000" dirty="0" smtClean="0"/>
-              <a:t> </a:t>
-            </a:r>
-            <a:r>
-              <a:rPr lang="en-US" sz="2000" dirty="0" err="1" smtClean="0"/>
-              <a:t>nghiệp</a:t>
-            </a:r>
-            <a:r>
-              <a:rPr lang="en-US" sz="2000" dirty="0" smtClean="0"/>
-              <a:t> 2.0 </a:t>
+              <a:rPr lang="vi-VN" sz="2000" dirty="0" smtClean="0"/>
+              <a:t>Cách </a:t>
+            </a:r>
+            <a:r>
+              <a:rPr lang="vi-VN" sz="2000" dirty="0"/>
+              <a:t>mạng công nghiệp lần thứ hai diễn ra từ năm 1870 đến năm 1914, ngay trước Thế chiến I. Đó là giai đoạn tăng trưởng của các ngành công nghiệp đã có từ trước và mở rộng các ngành mới, như thép, dầu, điện, và sử dụng điện để sản xuất hàng loạt. Các tiến bộ kỹ thuật chủ yếu trong giai đoạn này bao gồm điện thoại, bóng đèn, đĩa hát và động cơ đốt trong</a:t>
             </a:r>
             <a:endParaRPr lang="en-US" sz="2000" dirty="0"/>
           </a:p>
